--- a/ppt/学习总结-20221030_1106.pptx
+++ b/ppt/学习总结-20221030_1106.pptx
@@ -5,7 +5,7 @@
     <p:sldMasterId id="2147483677" r:id="rId1"/>
   </p:sldMasterIdLst>
   <p:notesMasterIdLst>
-    <p:notesMasterId r:id="rId9"/>
+    <p:notesMasterId r:id="rId10"/>
   </p:notesMasterIdLst>
   <p:sldIdLst>
     <p:sldId id="356" r:id="rId2"/>
@@ -14,7 +14,8 @@
     <p:sldId id="363" r:id="rId5"/>
     <p:sldId id="364" r:id="rId6"/>
     <p:sldId id="365" r:id="rId7"/>
-    <p:sldId id="360" r:id="rId8"/>
+    <p:sldId id="366" r:id="rId8"/>
+    <p:sldId id="360" r:id="rId9"/>
   </p:sldIdLst>
   <p:sldSz cx="12192000" cy="6858000"/>
   <p:notesSz cx="6858000" cy="9144000"/>
@@ -802,7 +803,7 @@
           <a:p>
             <a:fld id="{48A87A34-81AB-432B-8DAE-1953F412C126}" type="datetimeFigureOut">
               <a:rPr lang="en-US" dirty="0"/>
-              <a:t>10/29/2022</a:t>
+              <a:t>11/6/2022</a:t>
             </a:fld>
             <a:endParaRPr lang="en-US" dirty="0"/>
           </a:p>
@@ -1010,7 +1011,7 @@
           <a:p>
             <a:fld id="{48A87A34-81AB-432B-8DAE-1953F412C126}" type="datetimeFigureOut">
               <a:rPr lang="en-US" dirty="0"/>
-              <a:t>10/29/2022</a:t>
+              <a:t>11/6/2022</a:t>
             </a:fld>
             <a:endParaRPr lang="en-US" dirty="0"/>
           </a:p>
@@ -1220,7 +1221,7 @@
           <a:p>
             <a:fld id="{48A87A34-81AB-432B-8DAE-1953F412C126}" type="datetimeFigureOut">
               <a:rPr lang="en-US" dirty="0"/>
-              <a:t>10/29/2022</a:t>
+              <a:t>11/6/2022</a:t>
             </a:fld>
             <a:endParaRPr lang="en-US" dirty="0"/>
           </a:p>
@@ -1418,7 +1419,7 @@
           <a:p>
             <a:fld id="{48A87A34-81AB-432B-8DAE-1953F412C126}" type="datetimeFigureOut">
               <a:rPr lang="en-US" dirty="0"/>
-              <a:t>10/29/2022</a:t>
+              <a:t>11/6/2022</a:t>
             </a:fld>
             <a:endParaRPr lang="en-US" dirty="0"/>
           </a:p>
@@ -1694,7 +1695,7 @@
           <a:p>
             <a:fld id="{48A87A34-81AB-432B-8DAE-1953F412C126}" type="datetimeFigureOut">
               <a:rPr lang="en-US" dirty="0"/>
-              <a:t>10/29/2022</a:t>
+              <a:t>11/6/2022</a:t>
             </a:fld>
             <a:endParaRPr lang="en-US" dirty="0"/>
           </a:p>
@@ -1959,7 +1960,7 @@
           <a:p>
             <a:fld id="{48A87A34-81AB-432B-8DAE-1953F412C126}" type="datetimeFigureOut">
               <a:rPr lang="en-US" dirty="0"/>
-              <a:t>10/29/2022</a:t>
+              <a:t>11/6/2022</a:t>
             </a:fld>
             <a:endParaRPr lang="en-US" dirty="0"/>
           </a:p>
@@ -2372,7 +2373,7 @@
           <a:p>
             <a:fld id="{48A87A34-81AB-432B-8DAE-1953F412C126}" type="datetimeFigureOut">
               <a:rPr lang="en-US" dirty="0"/>
-              <a:t>10/29/2022</a:t>
+              <a:t>11/6/2022</a:t>
             </a:fld>
             <a:endParaRPr lang="en-US" dirty="0"/>
           </a:p>
@@ -2518,7 +2519,7 @@
           <a:p>
             <a:fld id="{48A87A34-81AB-432B-8DAE-1953F412C126}" type="datetimeFigureOut">
               <a:rPr lang="en-US" dirty="0"/>
-              <a:t>10/29/2022</a:t>
+              <a:t>11/6/2022</a:t>
             </a:fld>
             <a:endParaRPr lang="en-US" dirty="0"/>
           </a:p>
@@ -2641,7 +2642,7 @@
           <a:p>
             <a:fld id="{48A87A34-81AB-432B-8DAE-1953F412C126}" type="datetimeFigureOut">
               <a:rPr lang="en-US" dirty="0"/>
-              <a:t>10/29/2022</a:t>
+              <a:t>11/6/2022</a:t>
             </a:fld>
             <a:endParaRPr lang="en-US" dirty="0"/>
           </a:p>
@@ -2887,7 +2888,7 @@
           <a:p>
             <a:fld id="{48A87A34-81AB-432B-8DAE-1953F412C126}" type="datetimeFigureOut">
               <a:rPr lang="en-US" dirty="0"/>
-              <a:t>10/29/2022</a:t>
+              <a:t>11/6/2022</a:t>
             </a:fld>
             <a:endParaRPr lang="en-US" dirty="0"/>
           </a:p>
@@ -3327,7 +3328,7 @@
           <a:p>
             <a:fld id="{48A87A34-81AB-432B-8DAE-1953F412C126}" type="datetimeFigureOut">
               <a:rPr lang="en-US" dirty="0"/>
-              <a:t>10/29/2022</a:t>
+              <a:t>11/6/2022</a:t>
             </a:fld>
             <a:endParaRPr lang="en-US" dirty="0"/>
           </a:p>
@@ -3646,7 +3647,7 @@
           <a:p>
             <a:fld id="{48A87A34-81AB-432B-8DAE-1953F412C126}" type="datetimeFigureOut">
               <a:rPr lang="en-US" dirty="0"/>
-              <a:t>10/29/2022</a:t>
+              <a:t>11/6/2022</a:t>
             </a:fld>
             <a:endParaRPr lang="en-US" dirty="0"/>
           </a:p>
@@ -4184,7 +4185,7 @@
             <a:pPr algn="r"/>
             <a:r>
               <a:rPr lang="en-US" altLang="zh-CN" dirty="0"/>
-              <a:t>2022.10.30</a:t>
+              <a:t>2022.11.06</a:t>
             </a:r>
             <a:endParaRPr lang="zh-CN" altLang="en-US" dirty="0"/>
           </a:p>
@@ -4268,16 +4269,13 @@
           <a:lstStyle/>
           <a:p>
             <a:r>
-              <a:rPr lang="zh-CN" altLang="en-US" dirty="0"/>
-              <a:t>找论文</a:t>
+              <a:rPr lang="zh-CN" altLang="zh-CN" dirty="0"/>
+              <a:t>看论文</a:t>
             </a:r>
             <a:endParaRPr lang="en-US" altLang="zh-CN" dirty="0"/>
           </a:p>
           <a:p>
-            <a:r>
-              <a:rPr lang="zh-CN" altLang="zh-CN" dirty="0"/>
-              <a:t>看论文（</a:t>
-            </a:r>
+            <a:pPr lvl="1"/>
             <a:r>
               <a:rPr lang="zh-CN" altLang="en-US" dirty="0"/>
               <a:t>使用深度学习的</a:t>
@@ -4290,9 +4288,29 @@
               <a:rPr lang="zh-CN" altLang="en-US" dirty="0"/>
               <a:t>基因编辑中的脱靶预测</a:t>
             </a:r>
-            <a:r>
-              <a:rPr lang="zh-CN" altLang="zh-CN" dirty="0"/>
-              <a:t>）</a:t>
+            <a:endParaRPr lang="en-US" altLang="zh-CN" dirty="0"/>
+          </a:p>
+          <a:p>
+            <a:pPr lvl="1"/>
+            <a:r>
+              <a:rPr lang="zh-CN" altLang="en-US" dirty="0"/>
+              <a:t>在</a:t>
+            </a:r>
+            <a:r>
+              <a:rPr lang="en-US" altLang="zh-CN" dirty="0"/>
+              <a:t>CRISPR-Cas9</a:t>
+            </a:r>
+            <a:r>
+              <a:rPr lang="zh-CN" altLang="en-US" dirty="0"/>
+              <a:t>基因编辑中新的</a:t>
+            </a:r>
+            <a:r>
+              <a:rPr lang="en-US" altLang="zh-CN" dirty="0"/>
+              <a:t>sgRNA-DNA</a:t>
+            </a:r>
+            <a:r>
+              <a:rPr lang="zh-CN" altLang="en-US" dirty="0"/>
+              <a:t>序列编码进行精准的深度学习脱靶预测</a:t>
             </a:r>
             <a:endParaRPr lang="en-US" altLang="zh-CN" dirty="0"/>
           </a:p>
@@ -4504,36 +4522,6 @@
           <a:xfrm>
             <a:off x="4617483" y="2063416"/>
             <a:ext cx="7349175" cy="3592930"/>
-          </a:xfrm>
-          <a:prstGeom prst="rect">
-            <a:avLst/>
-          </a:prstGeom>
-        </p:spPr>
-      </p:pic>
-      <p:pic>
-        <p:nvPicPr>
-          <p:cNvPr id="11" name="图片 10">
-            <a:extLst>
-              <a:ext uri="{FF2B5EF4-FFF2-40B4-BE49-F238E27FC236}">
-                <a16:creationId xmlns:a16="http://schemas.microsoft.com/office/drawing/2014/main" id="{862EEF28-4715-8389-C66D-7FE518DD0B4D}"/>
-              </a:ext>
-            </a:extLst>
-          </p:cNvPr>
-          <p:cNvPicPr>
-            <a:picLocks noChangeAspect="1"/>
-          </p:cNvPicPr>
-          <p:nvPr/>
-        </p:nvPicPr>
-        <p:blipFill>
-          <a:blip r:embed="rId4"/>
-          <a:stretch>
-            <a:fillRect/>
-          </a:stretch>
-        </p:blipFill>
-        <p:spPr>
-          <a:xfrm>
-            <a:off x="4663627" y="2145381"/>
-            <a:ext cx="5798045" cy="3429000"/>
           </a:xfrm>
           <a:prstGeom prst="rect">
             <a:avLst/>
@@ -4606,59 +4594,6 @@
                       </p:childTnLst>
                     </p:cTn>
                   </p:par>
-                  <p:par>
-                    <p:cTn id="8" fill="hold">
-                      <p:stCondLst>
-                        <p:cond delay="indefinite"/>
-                      </p:stCondLst>
-                      <p:childTnLst>
-                        <p:par>
-                          <p:cTn id="9" fill="hold">
-                            <p:stCondLst>
-                              <p:cond delay="0"/>
-                            </p:stCondLst>
-                            <p:childTnLst>
-                              <p:par>
-                                <p:cTn id="10" presetID="10" presetClass="entr" presetSubtype="0" fill="hold" nodeType="clickEffect">
-                                  <p:stCondLst>
-                                    <p:cond delay="0"/>
-                                  </p:stCondLst>
-                                  <p:childTnLst>
-                                    <p:set>
-                                      <p:cBhvr>
-                                        <p:cTn id="11" dur="1" fill="hold">
-                                          <p:stCondLst>
-                                            <p:cond delay="0"/>
-                                          </p:stCondLst>
-                                        </p:cTn>
-                                        <p:tgtEl>
-                                          <p:spTgt spid="11"/>
-                                        </p:tgtEl>
-                                        <p:attrNameLst>
-                                          <p:attrName>style.visibility</p:attrName>
-                                        </p:attrNameLst>
-                                      </p:cBhvr>
-                                      <p:to>
-                                        <p:strVal val="visible"/>
-                                      </p:to>
-                                    </p:set>
-                                    <p:animEffect transition="in" filter="fade">
-                                      <p:cBhvr>
-                                        <p:cTn id="12" dur="500"/>
-                                        <p:tgtEl>
-                                          <p:spTgt spid="11"/>
-                                        </p:tgtEl>
-                                      </p:cBhvr>
-                                    </p:animEffect>
-                                  </p:childTnLst>
-                                </p:cTn>
-                              </p:par>
-                            </p:childTnLst>
-                          </p:cTn>
-                        </p:par>
-                      </p:childTnLst>
-                    </p:cTn>
-                  </p:par>
                 </p:childTnLst>
               </p:cTn>
               <p:prevCondLst>
@@ -5065,8 +5000,8 @@
           </a:prstGeom>
         </p:spPr>
       </p:pic>
-      <mc:AlternateContent xmlns:mc="http://schemas.openxmlformats.org/markup-compatibility/2006">
-        <mc:Choice xmlns:p14="http://schemas.microsoft.com/office/powerpoint/2010/main" Requires="p14">
+      <mc:AlternateContent xmlns:mc="http://schemas.openxmlformats.org/markup-compatibility/2006" xmlns:p14="http://schemas.microsoft.com/office/powerpoint/2010/main">
+        <mc:Choice Requires="p14">
           <p:contentPart p14:bwMode="auto" r:id="rId3">
             <p14:nvContentPartPr>
               <p14:cNvPr id="4" name="墨迹 3">
@@ -5085,7 +5020,7 @@
             </p14:xfrm>
           </p:contentPart>
         </mc:Choice>
-        <mc:Fallback>
+        <mc:Fallback xmlns="">
           <p:pic>
             <p:nvPicPr>
               <p:cNvPr id="4" name="墨迹 3">
@@ -5116,8 +5051,8 @@
           </p:pic>
         </mc:Fallback>
       </mc:AlternateContent>
-      <mc:AlternateContent xmlns:mc="http://schemas.openxmlformats.org/markup-compatibility/2006">
-        <mc:Choice xmlns:p14="http://schemas.microsoft.com/office/powerpoint/2010/main" Requires="p14">
+      <mc:AlternateContent xmlns:mc="http://schemas.openxmlformats.org/markup-compatibility/2006" xmlns:p14="http://schemas.microsoft.com/office/powerpoint/2010/main">
+        <mc:Choice Requires="p14">
           <p:contentPart p14:bwMode="auto" r:id="rId5">
             <p14:nvContentPartPr>
               <p14:cNvPr id="6" name="墨迹 5">
@@ -5136,7 +5071,7 @@
             </p14:xfrm>
           </p:contentPart>
         </mc:Choice>
-        <mc:Fallback>
+        <mc:Fallback xmlns="">
           <p:pic>
             <p:nvPicPr>
               <p:cNvPr id="6" name="墨迹 5">
@@ -5167,8 +5102,8 @@
           </p:pic>
         </mc:Fallback>
       </mc:AlternateContent>
-      <mc:AlternateContent xmlns:mc="http://schemas.openxmlformats.org/markup-compatibility/2006">
-        <mc:Choice xmlns:p14="http://schemas.microsoft.com/office/powerpoint/2010/main" Requires="p14">
+      <mc:AlternateContent xmlns:mc="http://schemas.openxmlformats.org/markup-compatibility/2006" xmlns:p14="http://schemas.microsoft.com/office/powerpoint/2010/main">
+        <mc:Choice Requires="p14">
           <p:contentPart p14:bwMode="auto" r:id="rId7">
             <p14:nvContentPartPr>
               <p14:cNvPr id="9" name="墨迹 8">
@@ -5187,7 +5122,7 @@
             </p14:xfrm>
           </p:contentPart>
         </mc:Choice>
-        <mc:Fallback>
+        <mc:Fallback xmlns="">
           <p:pic>
             <p:nvPicPr>
               <p:cNvPr id="9" name="墨迹 8">
@@ -5218,8 +5153,8 @@
           </p:pic>
         </mc:Fallback>
       </mc:AlternateContent>
-      <mc:AlternateContent xmlns:mc="http://schemas.openxmlformats.org/markup-compatibility/2006">
-        <mc:Choice xmlns:p14="http://schemas.microsoft.com/office/powerpoint/2010/main" Requires="p14">
+      <mc:AlternateContent xmlns:mc="http://schemas.openxmlformats.org/markup-compatibility/2006" xmlns:p14="http://schemas.microsoft.com/office/powerpoint/2010/main">
+        <mc:Choice Requires="p14">
           <p:contentPart p14:bwMode="auto" r:id="rId9">
             <p14:nvContentPartPr>
               <p14:cNvPr id="10" name="墨迹 9">
@@ -5238,7 +5173,7 @@
             </p14:xfrm>
           </p:contentPart>
         </mc:Choice>
-        <mc:Fallback>
+        <mc:Fallback xmlns="">
           <p:pic>
             <p:nvPicPr>
               <p:cNvPr id="10" name="墨迹 9">
@@ -5717,9 +5652,10 @@
               <a:t>        </a:t>
             </a:r>
             <a:r>
-              <a:rPr lang="zh-CN" altLang="en-US" dirty="0"/>
-              <a:t>讨论：</a:t>
-            </a:r>
+              <a:rPr lang="zh-CN" altLang="en-US"/>
+              <a:t>贡献：</a:t>
+            </a:r>
+            <a:endParaRPr lang="zh-CN" altLang="en-US" dirty="0"/>
           </a:p>
         </p:txBody>
       </p:sp>
@@ -5888,6 +5824,312 @@
       </p:grpSpPr>
       <p:sp>
         <p:nvSpPr>
+          <p:cNvPr id="2" name="标题 1">
+            <a:extLst>
+              <a:ext uri="{FF2B5EF4-FFF2-40B4-BE49-F238E27FC236}">
+                <a16:creationId xmlns:a16="http://schemas.microsoft.com/office/drawing/2014/main" id="{0B743459-909D-436A-A224-4540A46E24CF}"/>
+              </a:ext>
+            </a:extLst>
+          </p:cNvPr>
+          <p:cNvSpPr>
+            <a:spLocks noGrp="1"/>
+          </p:cNvSpPr>
+          <p:nvPr>
+            <p:ph type="title"/>
+          </p:nvPr>
+        </p:nvSpPr>
+        <p:spPr/>
+        <p:txBody>
+          <a:bodyPr>
+            <a:normAutofit fontScale="90000"/>
+          </a:bodyPr>
+          <a:lstStyle/>
+          <a:p>
+            <a:r>
+              <a:rPr lang="zh-CN" altLang="en-US" dirty="0"/>
+              <a:t>在</a:t>
+            </a:r>
+            <a:r>
+              <a:rPr lang="en-US" altLang="zh-CN" dirty="0"/>
+              <a:t>CRISPR-Cas9</a:t>
+            </a:r>
+            <a:r>
+              <a:rPr lang="zh-CN" altLang="en-US" dirty="0"/>
+              <a:t>基因编辑中新的</a:t>
+            </a:r>
+            <a:r>
+              <a:rPr lang="en-US" altLang="zh-CN" dirty="0"/>
+              <a:t>sgRNA-DNA</a:t>
+            </a:r>
+            <a:r>
+              <a:rPr lang="zh-CN" altLang="en-US" dirty="0"/>
+              <a:t>序列编码进行精准的深度学习脱靶预测</a:t>
+            </a:r>
+            <a:br>
+              <a:rPr lang="en-US" altLang="zh-CN" dirty="0"/>
+            </a:br>
+            <a:endParaRPr lang="zh-CN" altLang="en-US" dirty="0"/>
+          </a:p>
+        </p:txBody>
+      </p:sp>
+      <p:pic>
+        <p:nvPicPr>
+          <p:cNvPr id="5" name="图片 4">
+            <a:extLst>
+              <a:ext uri="{FF2B5EF4-FFF2-40B4-BE49-F238E27FC236}">
+                <a16:creationId xmlns:a16="http://schemas.microsoft.com/office/drawing/2014/main" id="{1E9F5695-4FB0-47BB-B0C9-F53EF2ECED29}"/>
+              </a:ext>
+            </a:extLst>
+          </p:cNvPr>
+          <p:cNvPicPr>
+            <a:picLocks noChangeAspect="1"/>
+          </p:cNvPicPr>
+          <p:nvPr/>
+        </p:nvPicPr>
+        <p:blipFill>
+          <a:blip r:embed="rId2"/>
+          <a:stretch>
+            <a:fillRect/>
+          </a:stretch>
+        </p:blipFill>
+        <p:spPr>
+          <a:xfrm>
+            <a:off x="1499705" y="1853754"/>
+            <a:ext cx="2663221" cy="4196990"/>
+          </a:xfrm>
+          <a:prstGeom prst="rect">
+            <a:avLst/>
+          </a:prstGeom>
+        </p:spPr>
+      </p:pic>
+      <p:pic>
+        <p:nvPicPr>
+          <p:cNvPr id="7" name="图片 6">
+            <a:extLst>
+              <a:ext uri="{FF2B5EF4-FFF2-40B4-BE49-F238E27FC236}">
+                <a16:creationId xmlns:a16="http://schemas.microsoft.com/office/drawing/2014/main" id="{80314DBA-DE4A-4681-9210-CDC56FBBB905}"/>
+              </a:ext>
+            </a:extLst>
+          </p:cNvPr>
+          <p:cNvPicPr>
+            <a:picLocks noChangeAspect="1"/>
+          </p:cNvPicPr>
+          <p:nvPr/>
+        </p:nvPicPr>
+        <p:blipFill>
+          <a:blip r:embed="rId3"/>
+          <a:stretch>
+            <a:fillRect/>
+          </a:stretch>
+        </p:blipFill>
+        <p:spPr>
+          <a:xfrm>
+            <a:off x="5457722" y="166007"/>
+            <a:ext cx="5645258" cy="6325030"/>
+          </a:xfrm>
+          <a:prstGeom prst="rect">
+            <a:avLst/>
+          </a:prstGeom>
+        </p:spPr>
+      </p:pic>
+      <p:pic>
+        <p:nvPicPr>
+          <p:cNvPr id="9" name="图片 8">
+            <a:extLst>
+              <a:ext uri="{FF2B5EF4-FFF2-40B4-BE49-F238E27FC236}">
+                <a16:creationId xmlns:a16="http://schemas.microsoft.com/office/drawing/2014/main" id="{7C6B33B2-A217-49C7-BEF8-221DEDA1962B}"/>
+              </a:ext>
+            </a:extLst>
+          </p:cNvPr>
+          <p:cNvPicPr>
+            <a:picLocks noChangeAspect="1"/>
+          </p:cNvPicPr>
+          <p:nvPr/>
+        </p:nvPicPr>
+        <p:blipFill>
+          <a:blip r:embed="rId4"/>
+          <a:stretch>
+            <a:fillRect/>
+          </a:stretch>
+        </p:blipFill>
+        <p:spPr>
+          <a:xfrm>
+            <a:off x="1172380" y="1730856"/>
+            <a:ext cx="10161671" cy="3273391"/>
+          </a:xfrm>
+          <a:prstGeom prst="rect">
+            <a:avLst/>
+          </a:prstGeom>
+        </p:spPr>
+      </p:pic>
+    </p:spTree>
+    <p:extLst>
+      <p:ext uri="{BB962C8B-B14F-4D97-AF65-F5344CB8AC3E}">
+        <p14:creationId xmlns:p14="http://schemas.microsoft.com/office/powerpoint/2010/main" val="4134355821"/>
+      </p:ext>
+    </p:extLst>
+  </p:cSld>
+  <p:clrMapOvr>
+    <a:masterClrMapping/>
+  </p:clrMapOvr>
+  <p:timing>
+    <p:tnLst>
+      <p:par>
+        <p:cTn id="1" dur="indefinite" restart="never" nodeType="tmRoot">
+          <p:childTnLst>
+            <p:seq concurrent="1" nextAc="seek">
+              <p:cTn id="2" dur="indefinite" nodeType="mainSeq">
+                <p:childTnLst>
+                  <p:par>
+                    <p:cTn id="3" fill="hold">
+                      <p:stCondLst>
+                        <p:cond delay="indefinite"/>
+                      </p:stCondLst>
+                      <p:childTnLst>
+                        <p:par>
+                          <p:cTn id="4" fill="hold">
+                            <p:stCondLst>
+                              <p:cond delay="0"/>
+                            </p:stCondLst>
+                            <p:childTnLst>
+                              <p:par>
+                                <p:cTn id="5" presetID="10" presetClass="entr" presetSubtype="0" fill="hold" nodeType="clickEffect">
+                                  <p:stCondLst>
+                                    <p:cond delay="0"/>
+                                  </p:stCondLst>
+                                  <p:childTnLst>
+                                    <p:set>
+                                      <p:cBhvr>
+                                        <p:cTn id="6" dur="1" fill="hold">
+                                          <p:stCondLst>
+                                            <p:cond delay="0"/>
+                                          </p:stCondLst>
+                                        </p:cTn>
+                                        <p:tgtEl>
+                                          <p:spTgt spid="7"/>
+                                        </p:tgtEl>
+                                        <p:attrNameLst>
+                                          <p:attrName>style.visibility</p:attrName>
+                                        </p:attrNameLst>
+                                      </p:cBhvr>
+                                      <p:to>
+                                        <p:strVal val="visible"/>
+                                      </p:to>
+                                    </p:set>
+                                    <p:animEffect transition="in" filter="fade">
+                                      <p:cBhvr>
+                                        <p:cTn id="7" dur="500"/>
+                                        <p:tgtEl>
+                                          <p:spTgt spid="7"/>
+                                        </p:tgtEl>
+                                      </p:cBhvr>
+                                    </p:animEffect>
+                                  </p:childTnLst>
+                                </p:cTn>
+                              </p:par>
+                            </p:childTnLst>
+                          </p:cTn>
+                        </p:par>
+                      </p:childTnLst>
+                    </p:cTn>
+                  </p:par>
+                  <p:par>
+                    <p:cTn id="8" fill="hold">
+                      <p:stCondLst>
+                        <p:cond delay="indefinite"/>
+                      </p:stCondLst>
+                      <p:childTnLst>
+                        <p:par>
+                          <p:cTn id="9" fill="hold">
+                            <p:stCondLst>
+                              <p:cond delay="0"/>
+                            </p:stCondLst>
+                            <p:childTnLst>
+                              <p:par>
+                                <p:cTn id="10" presetID="10" presetClass="entr" presetSubtype="0" fill="hold" nodeType="clickEffect">
+                                  <p:stCondLst>
+                                    <p:cond delay="0"/>
+                                  </p:stCondLst>
+                                  <p:childTnLst>
+                                    <p:set>
+                                      <p:cBhvr>
+                                        <p:cTn id="11" dur="1" fill="hold">
+                                          <p:stCondLst>
+                                            <p:cond delay="0"/>
+                                          </p:stCondLst>
+                                        </p:cTn>
+                                        <p:tgtEl>
+                                          <p:spTgt spid="9"/>
+                                        </p:tgtEl>
+                                        <p:attrNameLst>
+                                          <p:attrName>style.visibility</p:attrName>
+                                        </p:attrNameLst>
+                                      </p:cBhvr>
+                                      <p:to>
+                                        <p:strVal val="visible"/>
+                                      </p:to>
+                                    </p:set>
+                                    <p:animEffect transition="in" filter="fade">
+                                      <p:cBhvr>
+                                        <p:cTn id="12" dur="500"/>
+                                        <p:tgtEl>
+                                          <p:spTgt spid="9"/>
+                                        </p:tgtEl>
+                                      </p:cBhvr>
+                                    </p:animEffect>
+                                  </p:childTnLst>
+                                </p:cTn>
+                              </p:par>
+                            </p:childTnLst>
+                          </p:cTn>
+                        </p:par>
+                      </p:childTnLst>
+                    </p:cTn>
+                  </p:par>
+                </p:childTnLst>
+              </p:cTn>
+              <p:prevCondLst>
+                <p:cond evt="onPrev" delay="0">
+                  <p:tgtEl>
+                    <p:sldTgt/>
+                  </p:tgtEl>
+                </p:cond>
+              </p:prevCondLst>
+              <p:nextCondLst>
+                <p:cond evt="onNext" delay="0">
+                  <p:tgtEl>
+                    <p:sldTgt/>
+                  </p:tgtEl>
+                </p:cond>
+              </p:nextCondLst>
+            </p:seq>
+          </p:childTnLst>
+        </p:cTn>
+      </p:par>
+    </p:tnLst>
+  </p:timing>
+</p:sld>
+</file>
+
+<file path=ppt/slides/slide8.xml><?xml version="1.0" encoding="utf-8"?>
+<p:sld xmlns:a="http://schemas.openxmlformats.org/drawingml/2006/main" xmlns:r="http://schemas.openxmlformats.org/officeDocument/2006/relationships" xmlns:p="http://schemas.openxmlformats.org/presentationml/2006/main">
+  <p:cSld>
+    <p:spTree>
+      <p:nvGrpSpPr>
+        <p:cNvPr id="1" name=""/>
+        <p:cNvGrpSpPr/>
+        <p:nvPr/>
+      </p:nvGrpSpPr>
+      <p:grpSpPr>
+        <a:xfrm>
+          <a:off x="0" y="0"/>
+          <a:ext cx="0" cy="0"/>
+          <a:chOff x="0" y="0"/>
+          <a:chExt cx="0" cy="0"/>
+        </a:xfrm>
+      </p:grpSpPr>
+      <p:sp>
+        <p:nvSpPr>
           <p:cNvPr id="1048600" name="标题 1"/>
           <p:cNvSpPr>
             <a:spLocks noGrp="1"/>
@@ -5930,19 +6172,8 @@
               <a:t>1. </a:t>
             </a:r>
             <a:r>
-              <a:rPr lang="zh-CN" altLang="zh-CN" dirty="0"/>
-              <a:t>看论文</a:t>
-            </a:r>
-            <a:endParaRPr lang="en-US" altLang="zh-CN" dirty="0"/>
-          </a:p>
-          <a:p>
-            <a:r>
-              <a:rPr lang="en-US" altLang="zh-CN" dirty="0"/>
-              <a:t>2. </a:t>
-            </a:r>
-            <a:r>
-              <a:rPr lang="zh-CN" altLang="zh-CN" dirty="0"/>
-              <a:t>刷力扣</a:t>
+              <a:rPr lang="zh-CN" altLang="en-US" dirty="0"/>
+              <a:t>准备考试（现代优化、虚拟现实、数据仓库和数据挖掘）</a:t>
             </a:r>
             <a:endParaRPr lang="en-US" altLang="zh-CN" dirty="0"/>
           </a:p>
